--- a/Report#03/UI설계발표_2016038037_김성훈.pptx
+++ b/Report#03/UI설계발표_2016038037_김성훈.pptx
@@ -1,32 +1,32 @@
 
 <file path=ppt/presentation.xml><?xml version="1.0" encoding="utf-8"?>
-<p:presentation xmlns:a="http://schemas.openxmlformats.org/drawingml/2006/main" xmlns:r="http://schemas.openxmlformats.org/officeDocument/2006/relationships" xmlns:p="http://schemas.openxmlformats.org/presentationml/2006/main" saveSubsetFonts="1">
+<p:presentation xmlns:r="http://schemas.openxmlformats.org/officeDocument/2006/relationships" xmlns:c="http://schemas.openxmlformats.org/drawingml/2006/chart" xmlns:a="http://schemas.openxmlformats.org/drawingml/2006/main" xmlns:dgm="http://schemas.openxmlformats.org/drawingml/2006/diagram" xmlns:dsp="http://schemas.microsoft.com/office/drawing/2008/diagram" xmlns:p="http://schemas.openxmlformats.org/presentationml/2006/main" saveSubsetFonts="1">
   <p:sldMasterIdLst>
-    <p:sldMasterId id="2147483648" r:id="rId1"/>
+    <p:sldMasterId id="2147483660" r:id="rId1"/>
   </p:sldMasterIdLst>
   <p:notesMasterIdLst>
-    <p:notesMasterId r:id="rId21"/>
+    <p:notesMasterId r:id="rId2"/>
   </p:notesMasterIdLst>
   <p:sldIdLst>
-    <p:sldId id="256" r:id="rId2"/>
-    <p:sldId id="257" r:id="rId3"/>
-    <p:sldId id="259" r:id="rId4"/>
+    <p:sldId id="256" r:id="rId3"/>
+    <p:sldId id="257" r:id="rId4"/>
     <p:sldId id="258" r:id="rId5"/>
-    <p:sldId id="274" r:id="rId6"/>
+    <p:sldId id="259" r:id="rId6"/>
     <p:sldId id="260" r:id="rId7"/>
-    <p:sldId id="284" r:id="rId8"/>
-    <p:sldId id="275" r:id="rId9"/>
-    <p:sldId id="261" r:id="rId10"/>
-    <p:sldId id="276" r:id="rId11"/>
-    <p:sldId id="282" r:id="rId12"/>
-    <p:sldId id="283" r:id="rId13"/>
-    <p:sldId id="262" r:id="rId14"/>
-    <p:sldId id="286" r:id="rId15"/>
-    <p:sldId id="277" r:id="rId16"/>
-    <p:sldId id="278" r:id="rId17"/>
-    <p:sldId id="279" r:id="rId18"/>
-    <p:sldId id="281" r:id="rId19"/>
-    <p:sldId id="266" r:id="rId20"/>
+    <p:sldId id="261" r:id="rId8"/>
+    <p:sldId id="262" r:id="rId9"/>
+    <p:sldId id="263" r:id="rId10"/>
+    <p:sldId id="264" r:id="rId11"/>
+    <p:sldId id="265" r:id="rId12"/>
+    <p:sldId id="266" r:id="rId13"/>
+    <p:sldId id="267" r:id="rId14"/>
+    <p:sldId id="268" r:id="rId15"/>
+    <p:sldId id="269" r:id="rId16"/>
+    <p:sldId id="270" r:id="rId17"/>
+    <p:sldId id="271" r:id="rId18"/>
+    <p:sldId id="272" r:id="rId19"/>
+    <p:sldId id="273" r:id="rId20"/>
+    <p:sldId id="274" r:id="rId21"/>
   </p:sldIdLst>
   <p:sldSz cx="12192000" cy="6858000"/>
   <p:notesSz cx="6858000" cy="9144000"/>
@@ -125,19 +125,11 @@
       </a:defRPr>
     </a:lvl9pPr>
   </p:defaultTextStyle>
-  <p:extLst>
-    <p:ext uri="{EFAFB233-063F-42B5-8137-9DF3F51BA10A}">
-      <p15:sldGuideLst xmlns:p15="http://schemas.microsoft.com/office/powerpoint/2012/main"/>
-    </p:ext>
-    <p:ext uri="{2D200454-40CA-4A62-9FC3-DE9A4176ACB9}">
-      <p15:notesGuideLst xmlns:p15="http://schemas.microsoft.com/office/powerpoint/2012/main"/>
-    </p:ext>
-  </p:extLst>
 </p:presentation>
 </file>
 
 <file path=ppt/notesMasters/notesMaster1.xml><?xml version="1.0" encoding="utf-8"?>
-<p:notesMaster xmlns:a="http://schemas.openxmlformats.org/drawingml/2006/main" xmlns:r="http://schemas.openxmlformats.org/officeDocument/2006/relationships" xmlns:p="http://schemas.openxmlformats.org/presentationml/2006/main">
+<p:notesMaster xmlns:r="http://schemas.openxmlformats.org/officeDocument/2006/relationships" xmlns:c="http://schemas.openxmlformats.org/drawingml/2006/chart" xmlns:a="http://schemas.openxmlformats.org/drawingml/2006/main" xmlns:dgm="http://schemas.openxmlformats.org/drawingml/2006/diagram" xmlns:dsp="http://schemas.microsoft.com/office/drawing/2008/diagram" xmlns:p="http://schemas.openxmlformats.org/presentationml/2006/main">
   <p:cSld>
     <p:bg>
       <p:bgRef idx="1001">
@@ -165,7 +157,7 @@
             <a:spLocks noGrp="1"/>
           </p:cNvSpPr>
           <p:nvPr>
-            <p:ph type="hdr" sz="quarter"/>
+            <p:ph type="hdr" sz="quarter" idx="0"/>
           </p:nvPr>
         </p:nvSpPr>
         <p:spPr>
@@ -178,13 +170,20 @@
           </a:prstGeom>
         </p:spPr>
         <p:txBody>
-          <a:bodyPr vert="horz" lIns="91440" tIns="45720" rIns="91440" bIns="45720" rtlCol="0"/>
+          <a:bodyPr vert="horz" lIns="91440" tIns="45720" rIns="91440" bIns="45720"/>
           <a:lstStyle>
             <a:lvl1pPr algn="l">
               <a:defRPr sz="1200"/>
             </a:lvl1pPr>
           </a:lstStyle>
           <a:p>
+            <a:pPr lvl="0">
+              <a:defRPr lang="ko-KR" altLang="en-US"/>
+            </a:pPr>
+            <a:r>
+              <a:rPr lang="ko-KR" altLang="en-US"/>
+              <a:t/>
+            </a:r>
             <a:endParaRPr lang="ko-KR" altLang="en-US"/>
           </a:p>
         </p:txBody>
@@ -209,15 +208,21 @@
           </a:prstGeom>
         </p:spPr>
         <p:txBody>
-          <a:bodyPr vert="horz" lIns="91440" tIns="45720" rIns="91440" bIns="45720" rtlCol="0"/>
+          <a:bodyPr vert="horz" lIns="91440" tIns="45720" rIns="91440" bIns="45720"/>
           <a:lstStyle>
             <a:lvl1pPr algn="r">
               <a:defRPr sz="1200"/>
             </a:lvl1pPr>
           </a:lstStyle>
           <a:p>
-            <a:fld id="{9C7F34FB-49DE-4DE4-B304-B1C3FD9D2E6E}" type="datetimeFigureOut">
-              <a:rPr lang="ko-KR" altLang="en-US" smtClean="0"/>
+            <a:pPr lvl="0">
+              <a:defRPr lang="ko-KR" altLang="en-US"/>
+            </a:pPr>
+            <a:fld id="{9C7F34FB-49DE-4DE4-B304-B1C3FD9D2E6E}" type="datetime1">
+              <a:rPr lang="ko-KR" altLang="en-US"/>
+              <a:pPr lvl="0">
+                <a:defRPr lang="ko-KR" altLang="en-US"/>
+              </a:pPr>
               <a:t>2020-04-27</a:t>
             </a:fld>
             <a:endParaRPr lang="ko-KR" altLang="en-US"/>
@@ -228,7 +233,7 @@
         <p:nvSpPr>
           <p:cNvPr id="4" name="슬라이드 이미지 개체 틀 3"/>
           <p:cNvSpPr>
-            <a:spLocks noGrp="1" noRot="1" noChangeAspect="1"/>
+            <a:spLocks noGrp="1" noRot="1" noChangeAspect="1" noTextEdit="1"/>
           </p:cNvSpPr>
           <p:nvPr>
             <p:ph type="sldImg" idx="2"/>
@@ -250,9 +255,12 @@
           </a:ln>
         </p:spPr>
         <p:txBody>
-          <a:bodyPr vert="horz" lIns="91440" tIns="45720" rIns="91440" bIns="45720" rtlCol="0" anchor="ctr"/>
-          <a:lstStyle/>
-          <a:p>
+          <a:bodyPr vert="horz" lIns="91440" tIns="45720" rIns="91440" bIns="45720" anchor="ctr"/>
+          <a:lstStyle/>
+          <a:p>
+            <a:pPr lvl="0">
+              <a:defRPr lang="ko-KR" altLang="en-US"/>
+            </a:pPr>
             <a:endParaRPr lang="ko-KR" altLang="en-US"/>
           </a:p>
         </p:txBody>
@@ -277,42 +285,57 @@
           </a:prstGeom>
         </p:spPr>
         <p:txBody>
-          <a:bodyPr vert="horz" lIns="91440" tIns="45720" rIns="91440" bIns="45720" rtlCol="0"/>
-          <a:lstStyle/>
-          <a:p>
-            <a:pPr lvl="0"/>
+          <a:bodyPr vert="horz" lIns="91440" tIns="45720" rIns="91440" bIns="45720"/>
+          <a:lstStyle/>
+          <a:p>
+            <a:pPr lvl="0">
+              <a:defRPr lang="ko-KR" altLang="en-US"/>
+            </a:pPr>
             <a:r>
               <a:rPr lang="ko-KR" altLang="en-US"/>
               <a:t>마스터 텍스트 스타일 편집</a:t>
             </a:r>
-          </a:p>
-          <a:p>
-            <a:pPr lvl="1"/>
+            <a:endParaRPr lang="ko-KR" altLang="en-US"/>
+          </a:p>
+          <a:p>
+            <a:pPr lvl="1">
+              <a:defRPr lang="ko-KR" altLang="en-US"/>
+            </a:pPr>
             <a:r>
               <a:rPr lang="ko-KR" altLang="en-US"/>
               <a:t>둘째 수준</a:t>
             </a:r>
-          </a:p>
-          <a:p>
-            <a:pPr lvl="2"/>
+            <a:endParaRPr lang="ko-KR" altLang="en-US"/>
+          </a:p>
+          <a:p>
+            <a:pPr lvl="2">
+              <a:defRPr lang="ko-KR" altLang="en-US"/>
+            </a:pPr>
             <a:r>
               <a:rPr lang="ko-KR" altLang="en-US"/>
               <a:t>셋째 수준</a:t>
             </a:r>
-          </a:p>
-          <a:p>
-            <a:pPr lvl="3"/>
+            <a:endParaRPr lang="ko-KR" altLang="en-US"/>
+          </a:p>
+          <a:p>
+            <a:pPr lvl="3">
+              <a:defRPr lang="ko-KR" altLang="en-US"/>
+            </a:pPr>
             <a:r>
               <a:rPr lang="ko-KR" altLang="en-US"/>
               <a:t>넷째 수준</a:t>
             </a:r>
-          </a:p>
-          <a:p>
-            <a:pPr lvl="4"/>
+            <a:endParaRPr lang="ko-KR" altLang="en-US"/>
+          </a:p>
+          <a:p>
+            <a:pPr lvl="4">
+              <a:defRPr lang="ko-KR" altLang="en-US"/>
+            </a:pPr>
             <a:r>
               <a:rPr lang="ko-KR" altLang="en-US"/>
               <a:t>다섯째 수준</a:t>
             </a:r>
+            <a:endParaRPr lang="ko-KR" altLang="en-US"/>
           </a:p>
         </p:txBody>
       </p:sp>
@@ -336,13 +359,20 @@
           </a:prstGeom>
         </p:spPr>
         <p:txBody>
-          <a:bodyPr vert="horz" lIns="91440" tIns="45720" rIns="91440" bIns="45720" rtlCol="0" anchor="b"/>
+          <a:bodyPr vert="horz" lIns="91440" tIns="45720" rIns="91440" bIns="45720" anchor="b"/>
           <a:lstStyle>
             <a:lvl1pPr algn="l">
               <a:defRPr sz="1200"/>
             </a:lvl1pPr>
           </a:lstStyle>
           <a:p>
+            <a:pPr lvl="0">
+              <a:defRPr lang="ko-KR" altLang="en-US"/>
+            </a:pPr>
+            <a:r>
+              <a:rPr lang="ko-KR" altLang="en-US"/>
+              <a:t/>
+            </a:r>
             <a:endParaRPr lang="ko-KR" altLang="en-US"/>
           </a:p>
         </p:txBody>
@@ -367,15 +397,21 @@
           </a:prstGeom>
         </p:spPr>
         <p:txBody>
-          <a:bodyPr vert="horz" lIns="91440" tIns="45720" rIns="91440" bIns="45720" rtlCol="0" anchor="b"/>
+          <a:bodyPr vert="horz" lIns="91440" tIns="45720" rIns="91440" bIns="45720" anchor="b"/>
           <a:lstStyle>
             <a:lvl1pPr algn="r">
               <a:defRPr sz="1200"/>
             </a:lvl1pPr>
           </a:lstStyle>
           <a:p>
+            <a:pPr lvl="0">
+              <a:defRPr lang="ko-KR" altLang="en-US"/>
+            </a:pPr>
             <a:fld id="{303EBADE-1EF8-477B-A9E5-BCE68899301C}" type="slidenum">
-              <a:rPr lang="ko-KR" altLang="en-US" smtClean="0"/>
+              <a:rPr lang="ko-KR" altLang="en-US"/>
+              <a:pPr lvl="0">
+                <a:defRPr lang="ko-KR" altLang="en-US"/>
+              </a:pPr>
               <a:t>‹#›</a:t>
             </a:fld>
             <a:endParaRPr lang="ko-KR" altLang="en-US"/>
@@ -383,13 +419,9 @@
         </p:txBody>
       </p:sp>
     </p:spTree>
-    <p:extLst>
-      <p:ext uri="{BB962C8B-B14F-4D97-AF65-F5344CB8AC3E}">
-        <p14:creationId xmlns:p14="http://schemas.microsoft.com/office/powerpoint/2010/main" val="440403057"/>
-      </p:ext>
-    </p:extLst>
   </p:cSld>
   <p:clrMap bg1="lt1" tx1="dk1" bg2="lt2" tx2="dk2" accent1="accent1" accent2="accent2" accent3="accent3" accent4="accent4" accent5="accent5" accent6="accent6" hlink="hlink" folHlink="folHlink"/>
+  <p:hf hdr="0" ftr="0" dt="0"/>
   <p:notesStyle>
     <a:lvl1pPr marL="0" algn="l" defTabSz="914400" rtl="0" eaLnBrk="1" latinLnBrk="1" hangingPunct="1">
       <a:defRPr sz="1200" kern="1200">
@@ -486,7 +518,7 @@
 </file>
 
 <file path=ppt/notesSlides/notesSlide1.xml><?xml version="1.0" encoding="utf-8"?>
-<p:notes xmlns:a="http://schemas.openxmlformats.org/drawingml/2006/main" xmlns:r="http://schemas.openxmlformats.org/officeDocument/2006/relationships" xmlns:p="http://schemas.openxmlformats.org/presentationml/2006/main">
+<p:notes xmlns:r="http://schemas.openxmlformats.org/officeDocument/2006/relationships" xmlns:c="http://schemas.openxmlformats.org/drawingml/2006/chart" xmlns:a="http://schemas.openxmlformats.org/drawingml/2006/main" xmlns:dgm="http://schemas.openxmlformats.org/drawingml/2006/diagram" xmlns:dsp="http://schemas.microsoft.com/office/drawing/2008/diagram" xmlns:p="http://schemas.openxmlformats.org/presentationml/2006/main">
   <p:cSld>
     <p:spTree>
       <p:nvGrpSpPr>
@@ -506,10 +538,10 @@
         <p:nvSpPr>
           <p:cNvPr id="2" name="슬라이드 이미지 개체 틀 1"/>
           <p:cNvSpPr>
-            <a:spLocks noGrp="1" noRot="1" noChangeAspect="1"/>
+            <a:spLocks noGrp="1" noRot="1" noChangeAspect="1" noTextEdit="1"/>
           </p:cNvSpPr>
           <p:nvPr>
-            <p:ph type="sldImg"/>
+            <p:ph type="sldImg" idx="0"/>
           </p:nvPr>
         </p:nvSpPr>
         <p:spPr>
@@ -534,6 +566,13 @@
           <a:bodyPr/>
           <a:lstStyle/>
           <a:p>
+            <a:pPr lvl="0">
+              <a:defRPr lang="ko-KR" altLang="en-US"/>
+            </a:pPr>
+            <a:r>
+              <a:rPr lang="ko-KR" altLang="en-US"/>
+              <a:t/>
+            </a:r>
             <a:endParaRPr lang="ko-KR" altLang="en-US"/>
           </a:p>
         </p:txBody>
@@ -553,29 +592,27 @@
           <a:bodyPr/>
           <a:lstStyle/>
           <a:p>
+            <a:pPr lvl="0">
+              <a:defRPr lang="ko-KR" altLang="en-US"/>
+            </a:pPr>
             <a:fld id="{303EBADE-1EF8-477B-A9E5-BCE68899301C}" type="slidenum">
-              <a:rPr lang="ko-KR" altLang="en-US" smtClean="0"/>
+              <a:rPr lang="en-US" altLang="en-US"/>
+              <a:pPr lvl="0">
+                <a:defRPr lang="ko-KR" altLang="en-US"/>
+              </a:pPr>
               <a:t>1</a:t>
             </a:fld>
-            <a:endParaRPr lang="ko-KR" altLang="en-US"/>
+            <a:endParaRPr lang="en-US" altLang="en-US"/>
           </a:p>
         </p:txBody>
       </p:sp>
     </p:spTree>
-    <p:extLst>
-      <p:ext uri="{BB962C8B-B14F-4D97-AF65-F5344CB8AC3E}">
-        <p14:creationId xmlns:p14="http://schemas.microsoft.com/office/powerpoint/2010/main" val="151564634"/>
-      </p:ext>
-    </p:extLst>
   </p:cSld>
-  <p:clrMapOvr>
-    <a:masterClrMapping/>
-  </p:clrMapOvr>
 </p:notes>
 </file>
 
 <file path=ppt/notesSlides/notesSlide2.xml><?xml version="1.0" encoding="utf-8"?>
-<p:notes xmlns:a="http://schemas.openxmlformats.org/drawingml/2006/main" xmlns:r="http://schemas.openxmlformats.org/officeDocument/2006/relationships" xmlns:p="http://schemas.openxmlformats.org/presentationml/2006/main">
+<p:notes xmlns:r="http://schemas.openxmlformats.org/officeDocument/2006/relationships" xmlns:c="http://schemas.openxmlformats.org/drawingml/2006/chart" xmlns:a="http://schemas.openxmlformats.org/drawingml/2006/main" xmlns:dgm="http://schemas.openxmlformats.org/drawingml/2006/diagram" xmlns:dsp="http://schemas.microsoft.com/office/drawing/2008/diagram" xmlns:p="http://schemas.openxmlformats.org/presentationml/2006/main">
   <p:cSld>
     <p:spTree>
       <p:nvGrpSpPr>
@@ -595,10 +632,10 @@
         <p:nvSpPr>
           <p:cNvPr id="2" name="슬라이드 이미지 개체 틀 1"/>
           <p:cNvSpPr>
-            <a:spLocks noGrp="1" noRot="1" noChangeAspect="1"/>
+            <a:spLocks noGrp="1" noRot="1" noChangeAspect="1" noTextEdit="1"/>
           </p:cNvSpPr>
           <p:nvPr>
-            <p:ph type="sldImg"/>
+            <p:ph type="sldImg" idx="0"/>
           </p:nvPr>
         </p:nvSpPr>
         <p:spPr>
@@ -623,17 +660,24 @@
           <a:bodyPr/>
           <a:lstStyle/>
           <a:p>
-            <a:r>
-              <a:rPr lang="ko-KR" altLang="en-US" dirty="0"/>
+            <a:pPr lvl="0">
+              <a:defRPr lang="ko-KR" altLang="en-US"/>
+            </a:pPr>
+            <a:r>
+              <a:rPr lang="ko-KR" altLang="en-US"/>
               <a:t>같은 기능의 액티비티 단위로 나누었음</a:t>
             </a:r>
             <a:r>
-              <a:rPr lang="en-US" altLang="ko-KR" dirty="0"/>
+              <a:rPr lang="en-US" altLang="ko-KR"/>
               <a:t>.</a:t>
             </a:r>
-          </a:p>
-          <a:p>
-            <a:endParaRPr lang="ko-KR" altLang="en-US" dirty="0"/>
+            <a:endParaRPr lang="en-US" altLang="ko-KR"/>
+          </a:p>
+          <a:p>
+            <a:pPr lvl="0">
+              <a:defRPr lang="ko-KR" altLang="en-US"/>
+            </a:pPr>
+            <a:endParaRPr lang="ko-KR" altLang="en-US"/>
           </a:p>
         </p:txBody>
       </p:sp>
@@ -652,24 +696,22 @@
           <a:bodyPr/>
           <a:lstStyle/>
           <a:p>
+            <a:pPr lvl="0">
+              <a:defRPr lang="ko-KR" altLang="en-US"/>
+            </a:pPr>
             <a:fld id="{303EBADE-1EF8-477B-A9E5-BCE68899301C}" type="slidenum">
-              <a:rPr lang="ko-KR" altLang="en-US" smtClean="0"/>
+              <a:rPr lang="en-US" altLang="en-US"/>
+              <a:pPr lvl="0">
+                <a:defRPr lang="ko-KR" altLang="en-US"/>
+              </a:pPr>
               <a:t>2</a:t>
             </a:fld>
-            <a:endParaRPr lang="ko-KR" altLang="en-US"/>
+            <a:endParaRPr lang="en-US" altLang="en-US"/>
           </a:p>
         </p:txBody>
       </p:sp>
     </p:spTree>
-    <p:extLst>
-      <p:ext uri="{BB962C8B-B14F-4D97-AF65-F5344CB8AC3E}">
-        <p14:creationId xmlns:p14="http://schemas.microsoft.com/office/powerpoint/2010/main" val="2089672720"/>
-      </p:ext>
-    </p:extLst>
   </p:cSld>
-  <p:clrMapOvr>
-    <a:masterClrMapping/>
-  </p:clrMapOvr>
 </p:notes>
 </file>
 
@@ -3933,7 +3975,7 @@
 </file>
 
 <file path=ppt/slides/slide1.xml><?xml version="1.0" encoding="utf-8"?>
-<p:sld xmlns:a="http://schemas.openxmlformats.org/drawingml/2006/main" xmlns:r="http://schemas.openxmlformats.org/officeDocument/2006/relationships" xmlns:p="http://schemas.openxmlformats.org/presentationml/2006/main">
+<p:sld xmlns:r="http://schemas.openxmlformats.org/officeDocument/2006/relationships" xmlns:c="http://schemas.openxmlformats.org/drawingml/2006/chart" xmlns:a="http://schemas.openxmlformats.org/drawingml/2006/main" xmlns:dgm="http://schemas.openxmlformats.org/drawingml/2006/diagram" xmlns:dsp="http://schemas.microsoft.com/office/drawing/2008/diagram" xmlns:p="http://schemas.openxmlformats.org/presentationml/2006/main">
   <p:cSld>
     <p:spTree>
       <p:nvGrpSpPr>
@@ -3951,20 +3993,14 @@
       </p:grpSpPr>
       <p:sp>
         <p:nvSpPr>
-          <p:cNvPr id="5" name="TextBox 4">
-            <a:extLst>
-              <a:ext uri="{FF2B5EF4-FFF2-40B4-BE49-F238E27FC236}">
-                <a16:creationId xmlns:a16="http://schemas.microsoft.com/office/drawing/2014/main" id="{5BFC302F-E5AB-4B7E-8F9A-63197B6726B2}"/>
-              </a:ext>
-            </a:extLst>
-          </p:cNvPr>
+          <p:cNvPr id="5" name="TextBox 4"/>
           <p:cNvSpPr txBox="1"/>
           <p:nvPr/>
         </p:nvSpPr>
         <p:spPr>
           <a:xfrm>
             <a:off x="2500315" y="2588910"/>
-            <a:ext cx="7210425" cy="830997"/>
+            <a:ext cx="7210424" cy="819135"/>
           </a:xfrm>
           <a:prstGeom prst="rect">
             <a:avLst/>
@@ -3972,34 +4008,37 @@
           <a:noFill/>
         </p:spPr>
         <p:txBody>
-          <a:bodyPr wrap="square" rtlCol="0">
+          <a:bodyPr wrap="square">
             <a:spAutoFit/>
           </a:bodyPr>
           <a:lstStyle/>
           <a:p>
-            <a:pPr algn="ctr"/>
-            <a:r>
-              <a:rPr lang="ko-KR" altLang="en-US" sz="4800" dirty="0">
-                <a:solidFill>
-                  <a:schemeClr val="bg1"/>
-                </a:solidFill>
-                <a:latin typeface="나눔스퀘어 Bold" panose="020B0600000101010101" pitchFamily="50" charset="-127"/>
-                <a:ea typeface="나눔스퀘어 Bold" panose="020B0600000101010101" pitchFamily="50" charset="-127"/>
+            <a:pPr algn="ctr">
+              <a:defRPr lang="ko-KR" altLang="en-US"/>
+            </a:pPr>
+            <a:r>
+              <a:rPr lang="ko-KR" altLang="en-US" sz="4800">
+                <a:solidFill>
+                  <a:schemeClr val="bg1"/>
+                </a:solidFill>
+                <a:latin typeface="나눔스퀘어 Bold"/>
+                <a:ea typeface="나눔스퀘어 Bold"/>
               </a:rPr>
               <a:t>오픈소스 전문프로젝트</a:t>
             </a:r>
-          </a:p>
-        </p:txBody>
-      </p:sp>
-      <p:sp>
-        <p:nvSpPr>
-          <p:cNvPr id="6" name="TextBox 5">
-            <a:extLst>
-              <a:ext uri="{FF2B5EF4-FFF2-40B4-BE49-F238E27FC236}">
-                <a16:creationId xmlns:a16="http://schemas.microsoft.com/office/drawing/2014/main" id="{9DEB7AAF-2490-4187-A21B-9B64A47C335D}"/>
-              </a:ext>
-            </a:extLst>
-          </p:cNvPr>
+            <a:endParaRPr lang="ko-KR" altLang="en-US" sz="4800">
+              <a:solidFill>
+                <a:schemeClr val="bg1"/>
+              </a:solidFill>
+              <a:latin typeface="나눔스퀘어 Bold"/>
+              <a:ea typeface="나눔스퀘어 Bold"/>
+            </a:endParaRPr>
+          </a:p>
+        </p:txBody>
+      </p:sp>
+      <p:sp>
+        <p:nvSpPr>
+          <p:cNvPr id="6" name="TextBox 5"/>
           <p:cNvSpPr txBox="1"/>
           <p:nvPr/>
         </p:nvSpPr>
@@ -4014,49 +4053,52 @@
           <a:noFill/>
         </p:spPr>
         <p:txBody>
-          <a:bodyPr wrap="square" rtlCol="0">
+          <a:bodyPr wrap="square">
             <a:spAutoFit/>
           </a:bodyPr>
           <a:lstStyle/>
           <a:p>
-            <a:pPr algn="ctr"/>
-            <a:r>
-              <a:rPr lang="en-US" altLang="ko-KR" dirty="0">
-                <a:solidFill>
-                  <a:schemeClr val="bg1"/>
-                </a:solidFill>
-                <a:latin typeface="나눔스퀘어 Bold" panose="020B0600000101010101" pitchFamily="50" charset="-127"/>
-                <a:ea typeface="나눔스퀘어 Bold" panose="020B0600000101010101" pitchFamily="50" charset="-127"/>
+            <a:pPr algn="ctr">
+              <a:defRPr lang="ko-KR" altLang="en-US"/>
+            </a:pPr>
+            <a:r>
+              <a:rPr lang="en-US" altLang="ko-KR">
+                <a:solidFill>
+                  <a:schemeClr val="bg1"/>
+                </a:solidFill>
+                <a:latin typeface="나눔스퀘어 Bold"/>
+                <a:ea typeface="나눔스퀘어 Bold"/>
               </a:rPr>
               <a:t>UI</a:t>
             </a:r>
             <a:r>
-              <a:rPr lang="ko-KR" altLang="en-US" dirty="0">
-                <a:solidFill>
-                  <a:schemeClr val="bg1"/>
-                </a:solidFill>
-                <a:latin typeface="나눔스퀘어 Bold" panose="020B0600000101010101" pitchFamily="50" charset="-127"/>
-                <a:ea typeface="나눔스퀘어 Bold" panose="020B0600000101010101" pitchFamily="50" charset="-127"/>
+              <a:rPr lang="ko-KR" altLang="en-US">
+                <a:solidFill>
+                  <a:schemeClr val="bg1"/>
+                </a:solidFill>
+                <a:latin typeface="나눔스퀘어 Bold"/>
+                <a:ea typeface="나눔스퀘어 Bold"/>
               </a:rPr>
               <a:t> 설계</a:t>
             </a:r>
+            <a:endParaRPr lang="ko-KR" altLang="en-US">
+              <a:solidFill>
+                <a:schemeClr val="bg1"/>
+              </a:solidFill>
+              <a:latin typeface="나눔스퀘어 Bold"/>
+              <a:ea typeface="나눔스퀘어 Bold"/>
+            </a:endParaRPr>
           </a:p>
         </p:txBody>
       </p:sp>
       <p:grpSp>
         <p:nvGrpSpPr>
-          <p:cNvPr id="14" name="그룹 13">
-            <a:extLst>
-              <a:ext uri="{FF2B5EF4-FFF2-40B4-BE49-F238E27FC236}">
-                <a16:creationId xmlns:a16="http://schemas.microsoft.com/office/drawing/2014/main" id="{346921E9-C74B-4A73-BB8C-B3C6953B7C3B}"/>
-              </a:ext>
-            </a:extLst>
-          </p:cNvPr>
+          <p:cNvPr id="14" name="그룹 13"/>
           <p:cNvGrpSpPr/>
           <p:nvPr/>
         </p:nvGrpSpPr>
         <p:grpSpPr>
-          <a:xfrm>
+          <a:xfrm rot="0">
             <a:off x="1324909" y="-48358"/>
             <a:ext cx="3052764" cy="3052763"/>
             <a:chOff x="1050588" y="-40482"/>
@@ -4065,16 +4107,8 @@
         </p:grpSpPr>
         <p:cxnSp>
           <p:nvCxnSpPr>
-            <p:cNvPr id="9" name="직선 연결선 8">
-              <a:extLst>
-                <a:ext uri="{FF2B5EF4-FFF2-40B4-BE49-F238E27FC236}">
-                  <a16:creationId xmlns:a16="http://schemas.microsoft.com/office/drawing/2014/main" id="{C8B53AC2-82A0-4349-AF79-5A7C370CA98D}"/>
-                </a:ext>
-              </a:extLst>
-            </p:cNvPr>
-            <p:cNvCxnSpPr>
-              <a:cxnSpLocks/>
-            </p:cNvCxnSpPr>
+            <p:cNvPr id="9" name="직선 연결선 8"/>
+            <p:cNvCxnSpPr/>
             <p:nvPr/>
           </p:nvCxnSpPr>
           <p:spPr>
@@ -4087,7 +4121,7 @@
             </a:prstGeom>
             <a:ln w="19050">
               <a:solidFill>
-                <a:srgbClr val="FFC000"/>
+                <a:srgbClr val="ffc000"/>
               </a:solidFill>
             </a:ln>
           </p:spPr>
@@ -4108,13 +4142,7 @@
         </p:cxnSp>
         <p:sp>
           <p:nvSpPr>
-            <p:cNvPr id="11" name="원호 10">
-              <a:extLst>
-                <a:ext uri="{FF2B5EF4-FFF2-40B4-BE49-F238E27FC236}">
-                  <a16:creationId xmlns:a16="http://schemas.microsoft.com/office/drawing/2014/main" id="{66F7A919-E66F-4777-A8A1-68EC36453261}"/>
-                </a:ext>
-              </a:extLst>
-            </p:cNvPr>
+            <p:cNvPr id="11" name="원호 10"/>
             <p:cNvSpPr/>
             <p:nvPr/>
           </p:nvSpPr>
@@ -4124,11 +4152,14 @@
               <a:ext cx="3052763" cy="3052763"/>
             </a:xfrm>
             <a:prstGeom prst="arc">
-              <a:avLst/>
+              <a:avLst>
+                <a:gd name="adj1" fmla="val 16200000"/>
+                <a:gd name="adj2" fmla="val 0"/>
+              </a:avLst>
             </a:prstGeom>
             <a:ln w="19050">
               <a:solidFill>
-                <a:srgbClr val="FFC000"/>
+                <a:srgbClr val="ffc000"/>
               </a:solidFill>
             </a:ln>
           </p:spPr>
@@ -4147,13 +4178,15 @@
             </a:fontRef>
           </p:style>
           <p:txBody>
-            <a:bodyPr rtlCol="0" anchor="ctr"/>
+            <a:bodyPr anchor="ctr"/>
             <a:lstStyle/>
             <a:p>
-              <a:pPr algn="ctr"/>
+              <a:pPr algn="ctr">
+                <a:defRPr lang="ko-KR" altLang="en-US"/>
+              </a:pPr>
               <a:endParaRPr lang="ko-KR" altLang="en-US">
-                <a:latin typeface="나눔스퀘어 Bold" panose="020B0600000101010101" pitchFamily="50" charset="-127"/>
-                <a:ea typeface="나눔스퀘어 Bold" panose="020B0600000101010101" pitchFamily="50" charset="-127"/>
+                <a:latin typeface="나눔스퀘어 Bold"/>
+                <a:ea typeface="나눔스퀘어 Bold"/>
               </a:endParaRPr>
             </a:p>
           </p:txBody>
@@ -4161,20 +4194,14 @@
       </p:grpSp>
       <p:sp>
         <p:nvSpPr>
-          <p:cNvPr id="15" name="TextBox 14">
-            <a:extLst>
-              <a:ext uri="{FF2B5EF4-FFF2-40B4-BE49-F238E27FC236}">
-                <a16:creationId xmlns:a16="http://schemas.microsoft.com/office/drawing/2014/main" id="{AFC94E68-9D0C-4C81-B0F8-B5A643CB11B9}"/>
-              </a:ext>
-            </a:extLst>
-          </p:cNvPr>
+          <p:cNvPr id="15" name="TextBox 14"/>
           <p:cNvSpPr txBox="1"/>
           <p:nvPr/>
         </p:nvSpPr>
         <p:spPr>
           <a:xfrm>
-            <a:off x="2490791" y="4306852"/>
-            <a:ext cx="7210425" cy="1169551"/>
+            <a:off x="2490789" y="4306852"/>
+            <a:ext cx="7210426" cy="1149068"/>
           </a:xfrm>
           <a:prstGeom prst="rect">
             <a:avLst/>
@@ -4182,165 +4209,175 @@
           <a:noFill/>
         </p:spPr>
         <p:txBody>
-          <a:bodyPr wrap="square" rtlCol="0">
+          <a:bodyPr wrap="square">
             <a:spAutoFit/>
           </a:bodyPr>
           <a:lstStyle/>
           <a:p>
-            <a:pPr algn="ctr"/>
-            <a:r>
-              <a:rPr lang="en-US" altLang="ko-KR" sz="1400">
-                <a:solidFill>
-                  <a:schemeClr val="bg1"/>
-                </a:solidFill>
-                <a:latin typeface="나눔스퀘어" panose="020B0600000101010101" pitchFamily="50" charset="-127"/>
-                <a:ea typeface="나눔스퀘어" panose="020B0600000101010101" pitchFamily="50" charset="-127"/>
-              </a:rPr>
-              <a:t>4</a:t>
-            </a:r>
-            <a:r>
-              <a:rPr lang="ko-KR" altLang="en-US" sz="1400" dirty="0">
-                <a:solidFill>
-                  <a:schemeClr val="bg1"/>
-                </a:solidFill>
-                <a:latin typeface="나눔스퀘어" panose="020B0600000101010101" pitchFamily="50" charset="-127"/>
-                <a:ea typeface="나눔스퀘어" panose="020B0600000101010101" pitchFamily="50" charset="-127"/>
-              </a:rPr>
-              <a:t>조</a:t>
-            </a:r>
-            <a:endParaRPr lang="en-US" altLang="ko-KR" sz="1400" dirty="0">
+            <a:pPr algn="ctr">
+              <a:defRPr lang="ko-KR" altLang="en-US"/>
+            </a:pPr>
+            <a:r>
+              <a:rPr lang="ko-KR" altLang="en-US" sz="1400">
+                <a:solidFill>
+                  <a:schemeClr val="bg1"/>
+                </a:solidFill>
+                <a:latin typeface="나눔스퀘어"/>
+                <a:ea typeface="나눔스퀘어"/>
+              </a:rPr>
+              <a:t>3조</a:t>
+            </a:r>
+            <a:endParaRPr lang="ko-KR" altLang="en-US" sz="1400">
               <a:solidFill>
                 <a:schemeClr val="bg1"/>
               </a:solidFill>
-              <a:latin typeface="나눔스퀘어" panose="020B0600000101010101" pitchFamily="50" charset="-127"/>
-              <a:ea typeface="나눔스퀘어" panose="020B0600000101010101" pitchFamily="50" charset="-127"/>
+              <a:latin typeface="나눔스퀘어"/>
+              <a:ea typeface="나눔스퀘어"/>
             </a:endParaRPr>
           </a:p>
           <a:p>
-            <a:pPr algn="ctr"/>
-            <a:r>
-              <a:rPr lang="en-US" altLang="ko-KR" sz="1400" dirty="0">
-                <a:solidFill>
-                  <a:schemeClr val="bg1"/>
-                </a:solidFill>
-                <a:latin typeface="나눔스퀘어" panose="020B0600000101010101" pitchFamily="50" charset="-127"/>
-                <a:ea typeface="나눔스퀘어" panose="020B0600000101010101" pitchFamily="50" charset="-127"/>
+            <a:pPr algn="ctr">
+              <a:defRPr lang="ko-KR" altLang="en-US"/>
+            </a:pPr>
+            <a:r>
+              <a:rPr lang="en-US" altLang="ko-KR" sz="1400">
+                <a:solidFill>
+                  <a:schemeClr val="bg1"/>
+                </a:solidFill>
+                <a:latin typeface="나눔스퀘어"/>
+                <a:ea typeface="나눔스퀘어"/>
               </a:rPr>
               <a:t>2016038039 </a:t>
             </a:r>
             <a:r>
-              <a:rPr lang="ko-KR" altLang="en-US" sz="1400" dirty="0" err="1">
-                <a:solidFill>
-                  <a:schemeClr val="bg1"/>
-                </a:solidFill>
-                <a:latin typeface="나눔스퀘어" panose="020B0600000101010101" pitchFamily="50" charset="-127"/>
-                <a:ea typeface="나눔스퀘어" panose="020B0600000101010101" pitchFamily="50" charset="-127"/>
+              <a:rPr lang="ko-KR" altLang="en-US" sz="1400">
+                <a:solidFill>
+                  <a:schemeClr val="bg1"/>
+                </a:solidFill>
+                <a:latin typeface="나눔스퀘어"/>
+                <a:ea typeface="나눔스퀘어"/>
               </a:rPr>
               <a:t>최건희</a:t>
             </a:r>
-            <a:endParaRPr lang="en-US" altLang="ko-KR" sz="1400" dirty="0">
+            <a:endParaRPr lang="ko-KR" altLang="en-US" sz="1400">
               <a:solidFill>
                 <a:schemeClr val="bg1"/>
               </a:solidFill>
-              <a:latin typeface="나눔스퀘어" panose="020B0600000101010101" pitchFamily="50" charset="-127"/>
-              <a:ea typeface="나눔스퀘어" panose="020B0600000101010101" pitchFamily="50" charset="-127"/>
+              <a:latin typeface="나눔스퀘어"/>
+              <a:ea typeface="나눔스퀘어"/>
             </a:endParaRPr>
           </a:p>
           <a:p>
-            <a:pPr algn="ctr"/>
-            <a:r>
-              <a:rPr lang="en-US" altLang="ko-KR" sz="1400" dirty="0">
-                <a:solidFill>
-                  <a:schemeClr val="bg1"/>
-                </a:solidFill>
-                <a:latin typeface="나눔스퀘어" panose="020B0600000101010101" pitchFamily="50" charset="-127"/>
-                <a:ea typeface="나눔스퀘어" panose="020B0600000101010101" pitchFamily="50" charset="-127"/>
+            <a:pPr algn="ctr">
+              <a:defRPr lang="ko-KR" altLang="en-US"/>
+            </a:pPr>
+            <a:r>
+              <a:rPr lang="en-US" altLang="ko-KR" sz="1400">
+                <a:solidFill>
+                  <a:schemeClr val="bg1"/>
+                </a:solidFill>
+                <a:latin typeface="나눔스퀘어"/>
+                <a:ea typeface="나눔스퀘어"/>
               </a:rPr>
               <a:t>2016038028 </a:t>
             </a:r>
             <a:r>
-              <a:rPr lang="ko-KR" altLang="en-US" sz="1400" dirty="0" err="1">
-                <a:solidFill>
-                  <a:schemeClr val="bg1"/>
-                </a:solidFill>
-                <a:latin typeface="나눔스퀘어" panose="020B0600000101010101" pitchFamily="50" charset="-127"/>
-                <a:ea typeface="나눔스퀘어" panose="020B0600000101010101" pitchFamily="50" charset="-127"/>
+              <a:rPr lang="ko-KR" altLang="en-US" sz="1400">
+                <a:solidFill>
+                  <a:schemeClr val="bg1"/>
+                </a:solidFill>
+                <a:latin typeface="나눔스퀘어"/>
+                <a:ea typeface="나눔스퀘어"/>
               </a:rPr>
               <a:t>배석훈</a:t>
             </a:r>
-            <a:endParaRPr lang="en-US" altLang="ko-KR" sz="1400" dirty="0">
+            <a:endParaRPr lang="ko-KR" altLang="en-US" sz="1400">
               <a:solidFill>
                 <a:schemeClr val="bg1"/>
               </a:solidFill>
-              <a:latin typeface="나눔스퀘어" panose="020B0600000101010101" pitchFamily="50" charset="-127"/>
-              <a:ea typeface="나눔스퀘어" panose="020B0600000101010101" pitchFamily="50" charset="-127"/>
+              <a:latin typeface="나눔스퀘어"/>
+              <a:ea typeface="나눔스퀘어"/>
             </a:endParaRPr>
           </a:p>
           <a:p>
-            <a:pPr algn="ctr"/>
-            <a:r>
-              <a:rPr lang="en-US" altLang="ko-KR" sz="1400" dirty="0">
-                <a:solidFill>
-                  <a:schemeClr val="bg1"/>
-                </a:solidFill>
-                <a:latin typeface="나눔스퀘어" panose="020B0600000101010101" pitchFamily="50" charset="-127"/>
-                <a:ea typeface="나눔스퀘어" panose="020B0600000101010101" pitchFamily="50" charset="-127"/>
+            <a:pPr algn="ctr">
+              <a:defRPr lang="ko-KR" altLang="en-US"/>
+            </a:pPr>
+            <a:r>
+              <a:rPr lang="en-US" altLang="ko-KR" sz="1400">
+                <a:solidFill>
+                  <a:schemeClr val="bg1"/>
+                </a:solidFill>
+                <a:latin typeface="나눔스퀘어"/>
+                <a:ea typeface="나눔스퀘어"/>
               </a:rPr>
               <a:t>2016038037 </a:t>
             </a:r>
             <a:r>
-              <a:rPr lang="ko-KR" altLang="en-US" sz="1400" dirty="0">
-                <a:solidFill>
-                  <a:schemeClr val="bg1"/>
-                </a:solidFill>
-                <a:latin typeface="나눔스퀘어" panose="020B0600000101010101" pitchFamily="50" charset="-127"/>
-                <a:ea typeface="나눔스퀘어" panose="020B0600000101010101" pitchFamily="50" charset="-127"/>
+              <a:rPr lang="ko-KR" altLang="en-US" sz="1400">
+                <a:solidFill>
+                  <a:schemeClr val="bg1"/>
+                </a:solidFill>
+                <a:latin typeface="나눔스퀘어"/>
+                <a:ea typeface="나눔스퀘어"/>
               </a:rPr>
               <a:t>김성훈</a:t>
             </a:r>
-            <a:endParaRPr lang="en-US" altLang="ko-KR" sz="1400" dirty="0">
+            <a:endParaRPr lang="ko-KR" altLang="en-US" sz="1400">
               <a:solidFill>
                 <a:schemeClr val="bg1"/>
               </a:solidFill>
-              <a:latin typeface="나눔스퀘어" panose="020B0600000101010101" pitchFamily="50" charset="-127"/>
-              <a:ea typeface="나눔스퀘어" panose="020B0600000101010101" pitchFamily="50" charset="-127"/>
+              <a:latin typeface="나눔스퀘어"/>
+              <a:ea typeface="나눔스퀘어"/>
             </a:endParaRPr>
           </a:p>
           <a:p>
-            <a:pPr algn="ctr"/>
-            <a:r>
-              <a:rPr lang="en-US" altLang="ko-KR" sz="1400" dirty="0">
-                <a:solidFill>
-                  <a:schemeClr val="bg1"/>
-                </a:solidFill>
-                <a:latin typeface="나눔스퀘어" panose="020B0600000101010101" pitchFamily="50" charset="-127"/>
-                <a:ea typeface="나눔스퀘어" panose="020B0600000101010101" pitchFamily="50" charset="-127"/>
+            <a:pPr algn="ctr">
+              <a:defRPr lang="ko-KR" altLang="en-US"/>
+            </a:pPr>
+            <a:r>
+              <a:rPr lang="en-US" altLang="ko-KR" sz="1400">
+                <a:solidFill>
+                  <a:schemeClr val="bg1"/>
+                </a:solidFill>
+                <a:latin typeface="나눔스퀘어"/>
+                <a:ea typeface="나눔스퀘어"/>
               </a:rPr>
               <a:t>2016038025 </a:t>
             </a:r>
             <a:r>
-              <a:rPr lang="ko-KR" altLang="en-US" sz="1400" dirty="0">
-                <a:solidFill>
-                  <a:schemeClr val="bg1"/>
-                </a:solidFill>
-                <a:latin typeface="나눔스퀘어" panose="020B0600000101010101" pitchFamily="50" charset="-127"/>
-                <a:ea typeface="나눔스퀘어" panose="020B0600000101010101" pitchFamily="50" charset="-127"/>
+              <a:rPr lang="ko-KR" altLang="en-US" sz="1400">
+                <a:solidFill>
+                  <a:schemeClr val="bg1"/>
+                </a:solidFill>
+                <a:latin typeface="나눔스퀘어"/>
+                <a:ea typeface="나눔스퀘어"/>
               </a:rPr>
               <a:t>박상협</a:t>
             </a:r>
+            <a:endParaRPr lang="ko-KR" altLang="en-US" sz="1400">
+              <a:solidFill>
+                <a:schemeClr val="bg1"/>
+              </a:solidFill>
+              <a:latin typeface="나눔스퀘어"/>
+              <a:ea typeface="나눔스퀘어"/>
+            </a:endParaRPr>
           </a:p>
         </p:txBody>
       </p:sp>
     </p:spTree>
-    <p:extLst>
-      <p:ext uri="{BB962C8B-B14F-4D97-AF65-F5344CB8AC3E}">
-        <p14:creationId xmlns:p14="http://schemas.microsoft.com/office/powerpoint/2010/main" val="2867161785"/>
-      </p:ext>
-    </p:extLst>
   </p:cSld>
   <p:clrMapOvr>
     <a:masterClrMapping/>
   </p:clrMapOvr>
+  <mc:AlternateContent xmlns:mc="http://schemas.openxmlformats.org/markup-compatibility/2006">
+    <mc:Choice xmlns:p14="http://schemas.microsoft.com/office/powerpoint/2010/main" Requires="p14">
+      <p:transition xmlns:mc="http://schemas.openxmlformats.org/markup-compatibility/2006" xmlns:p14="http://schemas.microsoft.com/office/powerpoint/2010/main" mc:Ignorable="p14" p14:dur="500"/>
+    </mc:Choice>
+    <mc:Fallback>
+      <p:transition/>
+    </mc:Fallback>
+  </mc:AlternateContent>
 </p:sld>
 </file>
 
@@ -16739,52 +16776,52 @@
 </file>
 
 <file path=ppt/theme/theme1.xml><?xml version="1.0" encoding="utf-8"?>
-<a:theme xmlns:a="http://schemas.openxmlformats.org/drawingml/2006/main" name="Office 테마">
+<a:theme xmlns:r="http://schemas.openxmlformats.org/officeDocument/2006/relationships" xmlns:c="http://schemas.openxmlformats.org/drawingml/2006/chart" xmlns:dgm="http://schemas.openxmlformats.org/drawingml/2006/diagram" xmlns:dsp="http://schemas.microsoft.com/office/drawing/2008/diagram" xmlns:a="http://schemas.openxmlformats.org/drawingml/2006/main" xmlns:pic="http://schemas.openxmlformats.org/drawingml/2006/picture" xmlns:wp="http://schemas.openxmlformats.org/drawingml/2006/wordprocessingDrawing" xmlns:xdr="http://schemas.openxmlformats.org/drawingml/2006/spreadsheetDrawing" name="Office 테마">
   <a:themeElements>
     <a:clrScheme name="Office">
       <a:dk1>
         <a:sysClr val="windowText" lastClr="000000"/>
       </a:dk1>
       <a:lt1>
-        <a:sysClr val="window" lastClr="FFFFFF"/>
+        <a:sysClr val="window" lastClr="ffffff"/>
       </a:lt1>
       <a:dk2>
-        <a:srgbClr val="44546A"/>
+        <a:srgbClr val="44546a"/>
       </a:dk2>
       <a:lt2>
-        <a:srgbClr val="E7E6E6"/>
+        <a:srgbClr val="e7e6e6"/>
       </a:lt2>
       <a:accent1>
-        <a:srgbClr val="4472C4"/>
+        <a:srgbClr val="4472c4"/>
       </a:accent1>
       <a:accent2>
-        <a:srgbClr val="ED7D31"/>
+        <a:srgbClr val="ed7d31"/>
       </a:accent2>
       <a:accent3>
-        <a:srgbClr val="A5A5A5"/>
+        <a:srgbClr val="a5a5a5"/>
       </a:accent3>
       <a:accent4>
-        <a:srgbClr val="FFC000"/>
+        <a:srgbClr val="ffc000"/>
       </a:accent4>
       <a:accent5>
-        <a:srgbClr val="5B9BD5"/>
+        <a:srgbClr val="5b9bd5"/>
       </a:accent5>
       <a:accent6>
-        <a:srgbClr val="70AD47"/>
+        <a:srgbClr val="70ad47"/>
       </a:accent6>
       <a:hlink>
-        <a:srgbClr val="0563C1"/>
+        <a:srgbClr val="0563c1"/>
       </a:hlink>
       <a:folHlink>
-        <a:srgbClr val="954F72"/>
+        <a:srgbClr val="954f72"/>
       </a:folHlink>
     </a:clrScheme>
     <a:fontScheme name="Office">
       <a:majorFont>
-        <a:latin typeface="맑은 고딕" panose="020F0302020204030204"/>
+        <a:latin typeface="맑은 고딕" panose="20"/>
         <a:ea typeface=""/>
         <a:cs typeface=""/>
-        <a:font script="Jpan" typeface="游ゴシック Light"/>
+        <a:font script="Jpan" typeface="Yu Gothic Light"/>
         <a:font script="Hang" typeface="맑은 고딕"/>
         <a:font script="Hans" typeface="等线 Light"/>
         <a:font script="Hant" typeface="新細明體"/>
@@ -16833,10 +16870,10 @@
         <a:font script="Tfng" typeface="Ebrima"/>
       </a:majorFont>
       <a:minorFont>
-        <a:latin typeface="맑은 고딕" panose="020F0502020204030204"/>
+        <a:latin typeface="맑은 고딕" panose="20"/>
         <a:ea typeface=""/>
         <a:cs typeface=""/>
-        <a:font script="Jpan" typeface="游ゴシック"/>
+        <a:font script="Jpan" typeface="Yu Gothic"/>
         <a:font script="Hang" typeface="맑은 고딕"/>
         <a:font script="Hans" typeface="等线"/>
         <a:font script="Hant" typeface="新細明體"/>
@@ -16949,21 +16986,21 @@
             <a:schemeClr val="phClr"/>
           </a:solidFill>
           <a:prstDash val="solid"/>
-          <a:miter lim="800000"/>
+          <a:miter/>
         </a:ln>
         <a:ln w="12700" cap="flat" cmpd="sng" algn="ctr">
           <a:solidFill>
             <a:schemeClr val="phClr"/>
           </a:solidFill>
           <a:prstDash val="solid"/>
-          <a:miter lim="800000"/>
+          <a:miter/>
         </a:ln>
         <a:ln w="19050" cap="flat" cmpd="sng" algn="ctr">
           <a:solidFill>
             <a:schemeClr val="phClr"/>
           </a:solidFill>
           <a:prstDash val="solid"/>
-          <a:miter lim="800000"/>
+          <a:miter/>
         </a:ln>
       </a:lnStyleLst>
       <a:effectStyleLst>
@@ -17023,63 +17060,56 @@
       </a:bgFillStyleLst>
     </a:fmtScheme>
   </a:themeElements>
-  <a:objectDefaults/>
-  <a:extraClrSchemeLst/>
-  <a:extLst>
-    <a:ext uri="{05A4C25C-085E-4340-85A3-A5531E510DB2}">
-      <thm15:themeFamily xmlns:thm15="http://schemas.microsoft.com/office/thememl/2012/main" name="Office Theme" id="{62F939B6-93AF-4DB8-9C6B-D6C7DFDC589F}" vid="{4A3C46E8-61CC-4603-A589-7422A47A8E4A}"/>
-    </a:ext>
-  </a:extLst>
 </a:theme>
 </file>
 
 <file path=ppt/theme/theme2.xml><?xml version="1.0" encoding="utf-8"?>
-<a:theme xmlns:a="http://schemas.openxmlformats.org/drawingml/2006/main" name="Office 테마">
+<a:theme xmlns:r="http://schemas.openxmlformats.org/officeDocument/2006/relationships" xmlns:c="http://schemas.openxmlformats.org/drawingml/2006/chart" xmlns:dgm="http://schemas.openxmlformats.org/drawingml/2006/diagram" xmlns:dsp="http://schemas.microsoft.com/office/drawing/2008/diagram" xmlns:a="http://schemas.openxmlformats.org/drawingml/2006/main" xmlns:pic="http://schemas.openxmlformats.org/drawingml/2006/picture" xmlns:wp="http://schemas.openxmlformats.org/drawingml/2006/wordprocessingDrawing" xmlns:xdr="http://schemas.openxmlformats.org/drawingml/2006/spreadsheetDrawing" name="Office 테마">
   <a:themeElements>
     <a:clrScheme name="Office">
       <a:dk1>
         <a:sysClr val="windowText" lastClr="000000"/>
       </a:dk1>
       <a:lt1>
-        <a:sysClr val="window" lastClr="FFFFFF"/>
+        <a:sysClr val="window" lastClr="ffffff"/>
       </a:lt1>
       <a:dk2>
-        <a:srgbClr val="44546A"/>
+        <a:srgbClr val="44546a"/>
       </a:dk2>
       <a:lt2>
-        <a:srgbClr val="E7E6E6"/>
+        <a:srgbClr val="e7e6e6"/>
       </a:lt2>
       <a:accent1>
-        <a:srgbClr val="4472C4"/>
+        <a:srgbClr val="4472c4"/>
       </a:accent1>
       <a:accent2>
-        <a:srgbClr val="ED7D31"/>
+        <a:srgbClr val="ed7d31"/>
       </a:accent2>
       <a:accent3>
-        <a:srgbClr val="A5A5A5"/>
+        <a:srgbClr val="a5a5a5"/>
       </a:accent3>
       <a:accent4>
-        <a:srgbClr val="FFC000"/>
+        <a:srgbClr val="ffc000"/>
       </a:accent4>
       <a:accent5>
-        <a:srgbClr val="5B9BD5"/>
+        <a:srgbClr val="5b9bd5"/>
       </a:accent5>
       <a:accent6>
-        <a:srgbClr val="70AD47"/>
+        <a:srgbClr val="70ad47"/>
       </a:accent6>
       <a:hlink>
-        <a:srgbClr val="0563C1"/>
+        <a:srgbClr val="0563c1"/>
       </a:hlink>
       <a:folHlink>
-        <a:srgbClr val="954F72"/>
+        <a:srgbClr val="954f72"/>
       </a:folHlink>
     </a:clrScheme>
     <a:fontScheme name="Office">
       <a:majorFont>
-        <a:latin typeface="맑은 고딕" panose="020F0302020204030204"/>
+        <a:latin typeface="맑은 고딕" panose="20"/>
         <a:ea typeface=""/>
         <a:cs typeface=""/>
-        <a:font script="Jpan" typeface="游ゴシック Light"/>
+        <a:font script="Jpan" typeface="Yu Gothic Light"/>
         <a:font script="Hang" typeface="맑은 고딕"/>
         <a:font script="Hans" typeface="等线 Light"/>
         <a:font script="Hant" typeface="新細明體"/>
@@ -17128,10 +17158,10 @@
         <a:font script="Tfng" typeface="Ebrima"/>
       </a:majorFont>
       <a:minorFont>
-        <a:latin typeface="맑은 고딕" panose="020F0502020204030204"/>
+        <a:latin typeface="맑은 고딕" panose="20"/>
         <a:ea typeface=""/>
         <a:cs typeface=""/>
-        <a:font script="Jpan" typeface="游ゴシック"/>
+        <a:font script="Jpan" typeface="Yu Gothic"/>
         <a:font script="Hang" typeface="맑은 고딕"/>
         <a:font script="Hans" typeface="等线"/>
         <a:font script="Hant" typeface="新細明體"/>
@@ -17244,21 +17274,21 @@
             <a:schemeClr val="phClr"/>
           </a:solidFill>
           <a:prstDash val="solid"/>
-          <a:miter lim="800000"/>
+          <a:miter/>
         </a:ln>
         <a:ln w="12700" cap="flat" cmpd="sng" algn="ctr">
           <a:solidFill>
             <a:schemeClr val="phClr"/>
           </a:solidFill>
           <a:prstDash val="solid"/>
-          <a:miter lim="800000"/>
+          <a:miter/>
         </a:ln>
         <a:ln w="19050" cap="flat" cmpd="sng" algn="ctr">
           <a:solidFill>
             <a:schemeClr val="phClr"/>
           </a:solidFill>
           <a:prstDash val="solid"/>
-          <a:miter lim="800000"/>
+          <a:miter/>
         </a:ln>
       </a:lnStyleLst>
       <a:effectStyleLst>
@@ -17318,12 +17348,5 @@
       </a:bgFillStyleLst>
     </a:fmtScheme>
   </a:themeElements>
-  <a:objectDefaults/>
-  <a:extraClrSchemeLst/>
-  <a:extLst>
-    <a:ext uri="{05A4C25C-085E-4340-85A3-A5531E510DB2}">
-      <thm15:themeFamily xmlns:thm15="http://schemas.microsoft.com/office/thememl/2012/main" name="Office Theme" id="{62F939B6-93AF-4DB8-9C6B-D6C7DFDC589F}" vid="{4A3C46E8-61CC-4603-A589-7422A47A8E4A}"/>
-    </a:ext>
-  </a:extLst>
 </a:theme>
 </file>